--- a/meetings/week 6/week6_presentation.pptx
+++ b/meetings/week 6/week6_presentation.pptx
@@ -13,7 +13,8 @@
     <p:sldId id="261" r:id="rId7"/>
     <p:sldId id="263" r:id="rId8"/>
     <p:sldId id="264" r:id="rId9"/>
-    <p:sldId id="262" r:id="rId10"/>
+    <p:sldId id="265" r:id="rId10"/>
+    <p:sldId id="262" r:id="rId11"/>
   </p:sldIdLst>
   <p:sldSz cx="12192000" cy="6858000"/>
   <p:notesSz cx="6858000" cy="9144000"/>
@@ -4847,6 +4848,149 @@
 </p:sld>
 </file>
 
+<file path=ppt/slides/slide10.xml><?xml version="1.0" encoding="utf-8"?>
+<p:sld xmlns:a="http://schemas.openxmlformats.org/drawingml/2006/main" xmlns:r="http://schemas.openxmlformats.org/officeDocument/2006/relationships" xmlns:p="http://schemas.openxmlformats.org/presentationml/2006/main">
+  <p:cSld>
+    <p:spTree>
+      <p:nvGrpSpPr>
+        <p:cNvPr id="1" name=""/>
+        <p:cNvGrpSpPr/>
+        <p:nvPr/>
+      </p:nvGrpSpPr>
+      <p:grpSpPr>
+        <a:xfrm>
+          <a:off x="0" y="0"/>
+          <a:ext cx="0" cy="0"/>
+          <a:chOff x="0" y="0"/>
+          <a:chExt cx="0" cy="0"/>
+        </a:xfrm>
+      </p:grpSpPr>
+      <p:sp>
+        <p:nvSpPr>
+          <p:cNvPr id="2" name="Title 1">
+            <a:extLst>
+              <a:ext uri="{FF2B5EF4-FFF2-40B4-BE49-F238E27FC236}">
+                <a16:creationId xmlns:a16="http://schemas.microsoft.com/office/drawing/2014/main" id="{230B1DE5-D9F4-86F3-5622-BE91E5AA8834}"/>
+              </a:ext>
+            </a:extLst>
+          </p:cNvPr>
+          <p:cNvSpPr>
+            <a:spLocks noGrp="1"/>
+          </p:cNvSpPr>
+          <p:nvPr>
+            <p:ph type="title"/>
+          </p:nvPr>
+        </p:nvSpPr>
+        <p:spPr/>
+        <p:txBody>
+          <a:bodyPr/>
+          <a:lstStyle/>
+          <a:p>
+            <a:r>
+              <a:rPr lang="en-US" dirty="0"/>
+              <a:t>What’s Next?</a:t>
+            </a:r>
+          </a:p>
+        </p:txBody>
+      </p:sp>
+      <p:sp>
+        <p:nvSpPr>
+          <p:cNvPr id="3" name="Content Placeholder 2">
+            <a:extLst>
+              <a:ext uri="{FF2B5EF4-FFF2-40B4-BE49-F238E27FC236}">
+                <a16:creationId xmlns:a16="http://schemas.microsoft.com/office/drawing/2014/main" id="{5C28A6BF-7706-9316-C8EC-DB4E71114327}"/>
+              </a:ext>
+            </a:extLst>
+          </p:cNvPr>
+          <p:cNvSpPr>
+            <a:spLocks noGrp="1"/>
+          </p:cNvSpPr>
+          <p:nvPr>
+            <p:ph idx="1"/>
+          </p:nvPr>
+        </p:nvSpPr>
+        <p:spPr/>
+        <p:txBody>
+          <a:bodyPr>
+            <a:normAutofit fontScale="85000" lnSpcReduction="10000"/>
+          </a:bodyPr>
+          <a:lstStyle/>
+          <a:p>
+            <a:r>
+              <a:rPr lang="en-US" dirty="0"/>
+              <a:t>Build mini parser for methods that accept anonymous functions to use.</a:t>
+            </a:r>
+          </a:p>
+          <a:p>
+            <a:r>
+              <a:rPr lang="en-US" dirty="0"/>
+              <a:t>Populate Documentation including NPX, styling UART device specific methods.</a:t>
+            </a:r>
+          </a:p>
+          <a:p>
+            <a:r>
+              <a:rPr lang="en-US" dirty="0"/>
+              <a:t>Investigate a web app which allows a mobile to connect and control the </a:t>
+            </a:r>
+            <a:r>
+              <a:rPr lang="en-US" dirty="0" err="1"/>
+              <a:t>espruino</a:t>
+            </a:r>
+            <a:r>
+              <a:rPr lang="en-US" dirty="0"/>
+              <a:t> devices.</a:t>
+            </a:r>
+          </a:p>
+          <a:p>
+            <a:r>
+              <a:rPr lang="en-US" dirty="0"/>
+              <a:t>Create some demos</a:t>
+            </a:r>
+          </a:p>
+          <a:p>
+            <a:r>
+              <a:rPr lang="en-US" dirty="0"/>
+              <a:t>Potential complete overhaul of UART (it works fine just now but could be so much better)</a:t>
+            </a:r>
+          </a:p>
+          <a:p>
+            <a:r>
+              <a:rPr lang="en-US" dirty="0"/>
+              <a:t>Investigate </a:t>
+            </a:r>
+            <a:r>
+              <a:rPr lang="en-US" dirty="0" err="1"/>
+              <a:t>Transpiler</a:t>
+            </a:r>
+            <a:endParaRPr lang="en-US" dirty="0"/>
+          </a:p>
+          <a:p>
+            <a:r>
+              <a:rPr lang="en-US" dirty="0"/>
+              <a:t>Investigate online IDE</a:t>
+            </a:r>
+          </a:p>
+          <a:p>
+            <a:pPr marL="0" indent="0">
+              <a:buNone/>
+            </a:pPr>
+            <a:endParaRPr lang="en-US" dirty="0"/>
+          </a:p>
+        </p:txBody>
+      </p:sp>
+    </p:spTree>
+    <p:extLst>
+      <p:ext uri="{BB962C8B-B14F-4D97-AF65-F5344CB8AC3E}">
+        <p14:creationId xmlns:p14="http://schemas.microsoft.com/office/powerpoint/2010/main" val="198564064"/>
+      </p:ext>
+    </p:extLst>
+  </p:cSld>
+  <p:clrMapOvr>
+    <a:masterClrMapping/>
+  </p:clrMapOvr>
+</p:sld>
+</file>
+
 <file path=ppt/slides/slide2.xml><?xml version="1.0" encoding="utf-8"?>
 <p:sld xmlns:a="http://schemas.openxmlformats.org/drawingml/2006/main" xmlns:r="http://schemas.openxmlformats.org/officeDocument/2006/relationships" xmlns:p="http://schemas.openxmlformats.org/presentationml/2006/main">
   <p:cSld>
@@ -6993,7 +7137,7 @@
           <p:cNvPr id="2" name="Title 1">
             <a:extLst>
               <a:ext uri="{FF2B5EF4-FFF2-40B4-BE49-F238E27FC236}">
-                <a16:creationId xmlns:a16="http://schemas.microsoft.com/office/drawing/2014/main" id="{230B1DE5-D9F4-86F3-5622-BE91E5AA8834}"/>
+                <a16:creationId xmlns:a16="http://schemas.microsoft.com/office/drawing/2014/main" id="{DC4A9691-4553-EB22-3049-615D411B2664}"/>
               </a:ext>
             </a:extLst>
           </p:cNvPr>
@@ -7011,7 +7155,7 @@
           <a:p>
             <a:r>
               <a:rPr lang="en-US" dirty="0"/>
-              <a:t>What’s Next?</a:t>
+              <a:t>Extras?</a:t>
             </a:r>
           </a:p>
         </p:txBody>
@@ -7021,7 +7165,7 @@
           <p:cNvPr id="3" name="Content Placeholder 2">
             <a:extLst>
               <a:ext uri="{FF2B5EF4-FFF2-40B4-BE49-F238E27FC236}">
-                <a16:creationId xmlns:a16="http://schemas.microsoft.com/office/drawing/2014/main" id="{5C28A6BF-7706-9316-C8EC-DB4E71114327}"/>
+                <a16:creationId xmlns:a16="http://schemas.microsoft.com/office/drawing/2014/main" id="{C2282ADD-901B-6848-11B0-EF50D84B7135}"/>
               </a:ext>
             </a:extLst>
           </p:cNvPr>
@@ -7035,68 +7179,91 @@
         <p:spPr/>
         <p:txBody>
           <a:bodyPr>
-            <a:normAutofit fontScale="85000" lnSpcReduction="10000"/>
+            <a:normAutofit fontScale="92500" lnSpcReduction="20000"/>
           </a:bodyPr>
           <a:lstStyle/>
           <a:p>
+            <a:pPr marL="0" indent="0">
+              <a:buNone/>
+            </a:pPr>
+            <a:r>
+              <a:rPr lang="en-US" dirty="0">
+                <a:hlinkClick r:id="rId2"/>
+              </a:rPr>
+              <a:t>https://codepen.io/callummclu/pen/poVBvZb?editors=0110</a:t>
+            </a:r>
+            <a:endParaRPr lang="en-US" dirty="0"/>
+          </a:p>
+          <a:p>
+            <a:pPr marL="0" indent="0">
+              <a:buNone/>
+            </a:pPr>
+            <a:endParaRPr lang="en-US" dirty="0"/>
+          </a:p>
+          <a:p>
+            <a:pPr marL="0" indent="0">
+              <a:buNone/>
+            </a:pPr>
             <a:r>
               <a:rPr lang="en-US" dirty="0"/>
-              <a:t>Build mini parser for methods that accept anonymous functions to use.</a:t>
-            </a:r>
-          </a:p>
-          <a:p>
+              <a:t>A glimpse into the styling help for documentation</a:t>
+            </a:r>
+          </a:p>
+          <a:p>
+            <a:pPr marL="0" indent="0">
+              <a:buNone/>
+            </a:pPr>
+            <a:endParaRPr lang="en-US" dirty="0"/>
+          </a:p>
+          <a:p>
+            <a:pPr marL="0" indent="0">
+              <a:buNone/>
+            </a:pPr>
             <a:r>
               <a:rPr lang="en-US" dirty="0"/>
-              <a:t>Populate Documentation including NPX, styling UART device specific methods.</a:t>
-            </a:r>
-          </a:p>
-          <a:p>
+              <a:t>Very much incomplete</a:t>
+            </a:r>
+          </a:p>
+          <a:p>
+            <a:pPr marL="0" indent="0">
+              <a:buNone/>
+            </a:pPr>
+            <a:endParaRPr lang="en-US" dirty="0"/>
+          </a:p>
+          <a:p>
+            <a:pPr marL="0" indent="0">
+              <a:buNone/>
+            </a:pPr>
+            <a:r>
+              <a:rPr lang="en-US" dirty="0">
+                <a:hlinkClick r:id="rId3"/>
+              </a:rPr>
+              <a:t>https://rkfsow.csb.app/</a:t>
+            </a:r>
+            <a:endParaRPr lang="en-US" dirty="0"/>
+          </a:p>
+          <a:p>
+            <a:pPr marL="0" indent="0">
+              <a:buNone/>
+            </a:pPr>
+            <a:endParaRPr lang="en-US" dirty="0"/>
+          </a:p>
+          <a:p>
+            <a:pPr marL="0" indent="0">
+              <a:buNone/>
+            </a:pPr>
             <a:r>
               <a:rPr lang="en-US" dirty="0"/>
-              <a:t>Investigate a web app which allows a mobile to connect and control the </a:t>
+              <a:t>An idea for displaying an easy way to work with the </a:t>
             </a:r>
             <a:r>
               <a:rPr lang="en-US" dirty="0" err="1"/>
-              <a:t>espruino</a:t>
-            </a:r>
-            <a:r>
-              <a:rPr lang="en-US" dirty="0"/>
-              <a:t> devices.</a:t>
-            </a:r>
-          </a:p>
-          <a:p>
-            <a:r>
-              <a:rPr lang="en-US" dirty="0"/>
-              <a:t>Create some demos</a:t>
-            </a:r>
-          </a:p>
-          <a:p>
-            <a:r>
-              <a:rPr lang="en-US" dirty="0"/>
-              <a:t>Potential complete overhaul of UART (it works fine just now but could be so much better)</a:t>
-            </a:r>
-          </a:p>
-          <a:p>
-            <a:r>
-              <a:rPr lang="en-US" dirty="0"/>
-              <a:t>Investigate </a:t>
-            </a:r>
-            <a:r>
-              <a:rPr lang="en-US" dirty="0" err="1"/>
-              <a:t>Transpiler</a:t>
-            </a:r>
-            <a:endParaRPr lang="en-US" dirty="0"/>
-          </a:p>
-          <a:p>
-            <a:r>
-              <a:rPr lang="en-US" dirty="0"/>
-              <a:t>Investigate online IDE</a:t>
-            </a:r>
-          </a:p>
-          <a:p>
-            <a:pPr marL="0" indent="0">
-              <a:buNone/>
-            </a:pPr>
+              <a:t>npx</a:t>
+            </a:r>
+            <a:r>
+              <a:rPr lang="en-US"/>
+              <a:t> tool</a:t>
+            </a:r>
             <a:endParaRPr lang="en-US" dirty="0"/>
           </a:p>
         </p:txBody>
@@ -7104,7 +7271,7 @@
     </p:spTree>
     <p:extLst>
       <p:ext uri="{BB962C8B-B14F-4D97-AF65-F5344CB8AC3E}">
-        <p14:creationId xmlns:p14="http://schemas.microsoft.com/office/powerpoint/2010/main" val="198564064"/>
+        <p14:creationId xmlns:p14="http://schemas.microsoft.com/office/powerpoint/2010/main" val="3603036946"/>
       </p:ext>
     </p:extLst>
   </p:cSld>

--- a/meetings/week 6/week6_presentation.pptx
+++ b/meetings/week 6/week6_presentation.pptx
@@ -15,6 +15,7 @@
     <p:sldId id="264" r:id="rId9"/>
     <p:sldId id="265" r:id="rId10"/>
     <p:sldId id="262" r:id="rId11"/>
+    <p:sldId id="266" r:id="rId12"/>
   </p:sldIdLst>
   <p:sldSz cx="12192000" cy="6858000"/>
   <p:notesSz cx="6858000" cy="9144000"/>
@@ -4209,7 +4210,7 @@
           <a:lstStyle/>
           <a:p>
             <a:r>
-              <a:rPr lang="en-US" sz="2000">
+              <a:rPr lang="en-US" sz="2000" dirty="0">
                 <a:solidFill>
                   <a:srgbClr val="FFFFFF"/>
                 </a:solidFill>
@@ -4912,19 +4913,35 @@
         <p:spPr/>
         <p:txBody>
           <a:bodyPr>
-            <a:normAutofit fontScale="85000" lnSpcReduction="10000"/>
+            <a:normAutofit fontScale="85000" lnSpcReduction="20000"/>
           </a:bodyPr>
           <a:lstStyle/>
           <a:p>
             <a:r>
               <a:rPr lang="en-US" dirty="0"/>
-              <a:t>Build mini parser for methods that accept anonymous functions to use.</a:t>
+              <a:t>Build mini parser for methods that accept anonymous functions to use. </a:t>
+            </a:r>
+            <a:r>
+              <a:rPr lang="en-US" dirty="0">
+                <a:solidFill>
+                  <a:srgbClr val="00B050"/>
+                </a:solidFill>
+              </a:rPr>
+              <a:t>[STARTED]</a:t>
             </a:r>
           </a:p>
           <a:p>
             <a:r>
               <a:rPr lang="en-US" dirty="0"/>
-              <a:t>Populate Documentation including NPX, styling UART device specific methods.</a:t>
+              <a:t>Populate Documentation including NPX, styling UART device specific methods. </a:t>
+            </a:r>
+            <a:r>
+              <a:rPr lang="en-US" dirty="0">
+                <a:solidFill>
+                  <a:srgbClr val="FFC000"/>
+                </a:solidFill>
+              </a:rPr>
+              <a:t>[INVESTIGATING MDX]</a:t>
             </a:r>
           </a:p>
           <a:p>
@@ -4938,13 +4955,13 @@
             </a:r>
             <a:r>
               <a:rPr lang="en-US" dirty="0"/>
-              <a:t> devices.</a:t>
+              <a:t> devices. </a:t>
             </a:r>
           </a:p>
           <a:p>
             <a:r>
               <a:rPr lang="en-US" dirty="0"/>
-              <a:t>Create some demos</a:t>
+              <a:t>Create some demos.</a:t>
             </a:r>
           </a:p>
           <a:p>
@@ -4962,7 +4979,18 @@
               <a:rPr lang="en-US" dirty="0" err="1"/>
               <a:t>Transpiler</a:t>
             </a:r>
-            <a:endParaRPr lang="en-US" dirty="0"/>
+            <a:r>
+              <a:rPr lang="en-US" dirty="0"/>
+              <a:t>. </a:t>
+            </a:r>
+            <a:r>
+              <a:rPr lang="en-US" dirty="0">
+                <a:solidFill>
+                  <a:srgbClr val="FF0000"/>
+                </a:solidFill>
+              </a:rPr>
+              <a:t>[STOPPED]</a:t>
+            </a:r>
           </a:p>
           <a:p>
             <a:r>
@@ -4982,6 +5010,123 @@
     <p:extLst>
       <p:ext uri="{BB962C8B-B14F-4D97-AF65-F5344CB8AC3E}">
         <p14:creationId xmlns:p14="http://schemas.microsoft.com/office/powerpoint/2010/main" val="198564064"/>
+      </p:ext>
+    </p:extLst>
+  </p:cSld>
+  <p:clrMapOvr>
+    <a:masterClrMapping/>
+  </p:clrMapOvr>
+</p:sld>
+</file>
+
+<file path=ppt/slides/slide11.xml><?xml version="1.0" encoding="utf-8"?>
+<p:sld xmlns:a="http://schemas.openxmlformats.org/drawingml/2006/main" xmlns:r="http://schemas.openxmlformats.org/officeDocument/2006/relationships" xmlns:p="http://schemas.openxmlformats.org/presentationml/2006/main">
+  <p:cSld>
+    <p:spTree>
+      <p:nvGrpSpPr>
+        <p:cNvPr id="1" name=""/>
+        <p:cNvGrpSpPr/>
+        <p:nvPr/>
+      </p:nvGrpSpPr>
+      <p:grpSpPr>
+        <a:xfrm>
+          <a:off x="0" y="0"/>
+          <a:ext cx="0" cy="0"/>
+          <a:chOff x="0" y="0"/>
+          <a:chExt cx="0" cy="0"/>
+        </a:xfrm>
+      </p:grpSpPr>
+      <p:sp>
+        <p:nvSpPr>
+          <p:cNvPr id="2" name="Title 1">
+            <a:extLst>
+              <a:ext uri="{FF2B5EF4-FFF2-40B4-BE49-F238E27FC236}">
+                <a16:creationId xmlns:a16="http://schemas.microsoft.com/office/drawing/2014/main" id="{A26DB18A-59DC-BBB0-C57D-90C2747E2A5D}"/>
+              </a:ext>
+            </a:extLst>
+          </p:cNvPr>
+          <p:cNvSpPr>
+            <a:spLocks noGrp="1"/>
+          </p:cNvSpPr>
+          <p:nvPr>
+            <p:ph type="title"/>
+          </p:nvPr>
+        </p:nvSpPr>
+        <p:spPr/>
+        <p:txBody>
+          <a:bodyPr/>
+          <a:lstStyle/>
+          <a:p>
+            <a:r>
+              <a:rPr lang="en-US" dirty="0"/>
+              <a:t>What’s Next (expanded)?</a:t>
+            </a:r>
+          </a:p>
+        </p:txBody>
+      </p:sp>
+      <p:sp>
+        <p:nvSpPr>
+          <p:cNvPr id="3" name="Content Placeholder 2">
+            <a:extLst>
+              <a:ext uri="{FF2B5EF4-FFF2-40B4-BE49-F238E27FC236}">
+                <a16:creationId xmlns:a16="http://schemas.microsoft.com/office/drawing/2014/main" id="{25CC3B2F-FB3D-C9FA-9FFB-CB47D90F40A8}"/>
+              </a:ext>
+            </a:extLst>
+          </p:cNvPr>
+          <p:cNvSpPr>
+            <a:spLocks noGrp="1"/>
+          </p:cNvSpPr>
+          <p:nvPr>
+            <p:ph idx="1"/>
+          </p:nvPr>
+        </p:nvSpPr>
+        <p:spPr/>
+        <p:txBody>
+          <a:bodyPr>
+            <a:normAutofit fontScale="85000" lnSpcReduction="20000"/>
+          </a:bodyPr>
+          <a:lstStyle/>
+          <a:p>
+            <a:pPr marL="0" indent="0">
+              <a:buNone/>
+            </a:pPr>
+            <a:r>
+              <a:rPr lang="en-US" dirty="0"/>
+              <a:t>Investigate a web app which allows a mobile to connect and control the Espruino devices.</a:t>
+            </a:r>
+          </a:p>
+          <a:p>
+            <a:r>
+              <a:rPr lang="en-US" dirty="0"/>
+              <a:t>I’m unsure if this should be something we stand alone host, or an optional package/NPX addon which allows the user to have this locally hosted.</a:t>
+            </a:r>
+          </a:p>
+          <a:p>
+            <a:r>
+              <a:rPr lang="en-US" dirty="0"/>
+              <a:t>My idea just now is web sockets, to allow instant communication between 2 devices, such as a phone and laptop, the issues that come with this are, </a:t>
+            </a:r>
+          </a:p>
+          <a:p>
+            <a:pPr lvl="1"/>
+            <a:r>
+              <a:rPr lang="en-US" dirty="0"/>
+              <a:t>what do we build the web sockets using, we are basically limited to JavaScript backends. </a:t>
+            </a:r>
+          </a:p>
+          <a:p>
+            <a:pPr lvl="1"/>
+            <a:r>
+              <a:rPr lang="en-US" dirty="0"/>
+              <a:t>If we do this hosted how is code added is it just uploaded? And if so, how are the other devices controls determined, is this better in the hands of developers with an option to create a basic WebSocket server?</a:t>
+            </a:r>
+          </a:p>
+        </p:txBody>
+      </p:sp>
+    </p:spTree>
+    <p:extLst>
+      <p:ext uri="{BB962C8B-B14F-4D97-AF65-F5344CB8AC3E}">
+        <p14:creationId xmlns:p14="http://schemas.microsoft.com/office/powerpoint/2010/main" val="2414062910"/>
       </p:ext>
     </p:extLst>
   </p:cSld>
@@ -6703,15 +6848,7 @@
             </a:pPr>
             <a:r>
               <a:rPr lang="en-US" dirty="0"/>
-              <a:t>This is a massive undertaking and in honesty the benefit of it in regards to the main project are very little in comparison to a mini parser to check for and replace our methods with others, </a:t>
-            </a:r>
-            <a:r>
-              <a:rPr lang="en-US" dirty="0" err="1"/>
-              <a:t>Ive</a:t>
-            </a:r>
-            <a:r>
-              <a:rPr lang="en-US" dirty="0"/>
-              <a:t> currently written some regex to do this already.</a:t>
+              <a:t>This is a massive undertaking and in honesty the benefit of it in regards to the main project are very little in comparison to a mini parser to check for and replace our methods with others, I’ve currently written some regex to do this already.</a:t>
             </a:r>
           </a:p>
           <a:p>
@@ -6842,23 +6979,15 @@
             </a:pPr>
             <a:r>
               <a:rPr lang="en-US" dirty="0"/>
-              <a:t>	I don’t know them at all and would be wasting my time 	opting to cater to every possibility. So </a:t>
-            </a:r>
-            <a:r>
-              <a:rPr lang="en-US" dirty="0" err="1"/>
-              <a:t>ive</a:t>
+              <a:t>	I don’t know them at all and would be wasting my time 	opting to cater to every possibility. </a:t>
+            </a:r>
+            <a:r>
+              <a:rPr lang="en-US"/>
+              <a:t>So I’ve </a:t>
             </a:r>
             <a:r>
               <a:rPr lang="en-US" dirty="0"/>
-              <a:t> opted for the 	most used (outside of angular which </a:t>
-            </a:r>
-            <a:r>
-              <a:rPr lang="en-US" dirty="0" err="1"/>
-              <a:t>ive</a:t>
-            </a:r>
-            <a:r>
-              <a:rPr lang="en-US" dirty="0"/>
-              <a:t> found is mainly used 	In production codebases so doesn’t match our ‘hobbyist’ 	package)</a:t>
+              <a:t>opted for the 	most used (outside of angular which I’ve found is mainly 	used In production codebases so doesn’t match our 	‘hobbyist’ package)</a:t>
             </a:r>
           </a:p>
         </p:txBody>
@@ -7238,7 +7367,7 @@
               <a:rPr lang="en-US" dirty="0">
                 <a:hlinkClick r:id="rId3"/>
               </a:rPr>
-              <a:t>https://rkfsow.csb.app/</a:t>
+              <a:t>https://codesandbox.io/s/rkfsow</a:t>
             </a:r>
             <a:endParaRPr lang="en-US" dirty="0"/>
           </a:p>
@@ -7261,10 +7390,9 @@
               <a:t>npx</a:t>
             </a:r>
             <a:r>
-              <a:rPr lang="en-US"/>
+              <a:rPr lang="en-US" dirty="0"/>
               <a:t> tool</a:t>
             </a:r>
-            <a:endParaRPr lang="en-US" dirty="0"/>
           </a:p>
         </p:txBody>
       </p:sp>
